--- a/azure-functions-secure-webhook/images/figures.pptx
+++ b/azure-functions-secure-webhook/images/figures.pptx
@@ -10,7 +10,9 @@
     <p:sldId id="258" r:id="rId4"/>
     <p:sldId id="259" r:id="rId5"/>
     <p:sldId id="260" r:id="rId6"/>
-    <p:sldId id="261" r:id="rId7"/>
+    <p:sldId id="262" r:id="rId7"/>
+    <p:sldId id="261" r:id="rId8"/>
+    <p:sldId id="263" r:id="rId9"/>
   </p:sldIdLst>
   <p:sldSz cx="12192000" cy="6858000"/>
   <p:notesSz cx="6858000" cy="9144000"/>
@@ -109,6 +111,11 @@
       </a:defRPr>
     </a:lvl9pPr>
   </p:defaultTextStyle>
+  <p:extLst>
+    <p:ext uri="{EFAFB233-063F-42B5-8137-9DF3F51BA10A}">
+      <p15:sldGuideLst xmlns:p15="http://schemas.microsoft.com/office/powerpoint/2012/main"/>
+    </p:ext>
+  </p:extLst>
 </p:presentation>
 </file>
 
@@ -3996,8 +4003,48 @@
         </p:blipFill>
         <p:spPr>
           <a:xfrm>
-            <a:off x="599580" y="1382989"/>
-            <a:ext cx="5783529" cy="4258277"/>
+            <a:off x="580526" y="1696052"/>
+            <a:ext cx="4779776" cy="3519237"/>
+          </a:xfrm>
+          <a:prstGeom prst="rect">
+            <a:avLst/>
+          </a:prstGeom>
+          <a:ln>
+            <a:noFill/>
+          </a:ln>
+          <a:effectLst>
+            <a:outerShdw blurRad="292100" dist="139700" dir="2700000" algn="tl" rotWithShape="0">
+              <a:srgbClr val="333333">
+                <a:alpha val="65000"/>
+              </a:srgbClr>
+            </a:outerShdw>
+          </a:effectLst>
+        </p:spPr>
+      </p:pic>
+      <p:pic>
+        <p:nvPicPr>
+          <p:cNvPr id="5" name="図 4">
+            <a:extLst>
+              <a:ext uri="{FF2B5EF4-FFF2-40B4-BE49-F238E27FC236}">
+                <a16:creationId xmlns:a16="http://schemas.microsoft.com/office/drawing/2014/main" id="{77002D8E-CDA8-33F2-4DEA-5C2B746678CC}"/>
+              </a:ext>
+            </a:extLst>
+          </p:cNvPr>
+          <p:cNvPicPr>
+            <a:picLocks noChangeAspect="1"/>
+          </p:cNvPicPr>
+          <p:nvPr/>
+        </p:nvPicPr>
+        <p:blipFill>
+          <a:blip r:embed="rId3"/>
+          <a:stretch>
+            <a:fillRect/>
+          </a:stretch>
+        </p:blipFill>
+        <p:spPr>
+          <a:xfrm>
+            <a:off x="5602704" y="1742709"/>
+            <a:ext cx="7570273" cy="3425922"/>
           </a:xfrm>
           <a:prstGeom prst="rect">
             <a:avLst/>
@@ -4049,7 +4096,7 @@
           <p:cNvPr id="3" name="図 2">
             <a:extLst>
               <a:ext uri="{FF2B5EF4-FFF2-40B4-BE49-F238E27FC236}">
-                <a16:creationId xmlns:a16="http://schemas.microsoft.com/office/drawing/2014/main" id="{3F14A695-0603-E148-509A-AA93FEE6285D}"/>
+                <a16:creationId xmlns:a16="http://schemas.microsoft.com/office/drawing/2014/main" id="{CF411F8E-C886-A1FD-4207-1758217C30FF}"/>
               </a:ext>
             </a:extLst>
           </p:cNvPr>
@@ -4066,18 +4113,207 @@
         </p:blipFill>
         <p:spPr>
           <a:xfrm>
-            <a:off x="0" y="374796"/>
-            <a:ext cx="12192000" cy="6108407"/>
+            <a:off x="0" y="1160854"/>
+            <a:ext cx="12192000" cy="4536292"/>
           </a:xfrm>
           <a:prstGeom prst="rect">
             <a:avLst/>
           </a:prstGeom>
+          <a:ln>
+            <a:noFill/>
+          </a:ln>
+          <a:effectLst>
+            <a:outerShdw blurRad="292100" dist="139700" dir="2700000" algn="tl" rotWithShape="0">
+              <a:srgbClr val="333333">
+                <a:alpha val="65000"/>
+              </a:srgbClr>
+            </a:outerShdw>
+          </a:effectLst>
+        </p:spPr>
+      </p:pic>
+    </p:spTree>
+    <p:extLst>
+      <p:ext uri="{BB962C8B-B14F-4D97-AF65-F5344CB8AC3E}">
+        <p14:creationId xmlns:p14="http://schemas.microsoft.com/office/powerpoint/2010/main" val="2187732868"/>
+      </p:ext>
+    </p:extLst>
+  </p:cSld>
+  <p:clrMapOvr>
+    <a:masterClrMapping/>
+  </p:clrMapOvr>
+</p:sld>
+</file>
+
+<file path=ppt/slides/slide7.xml><?xml version="1.0" encoding="utf-8"?>
+<p:sld xmlns:a="http://schemas.openxmlformats.org/drawingml/2006/main" xmlns:r="http://schemas.openxmlformats.org/officeDocument/2006/relationships" xmlns:p="http://schemas.openxmlformats.org/presentationml/2006/main">
+  <p:cSld>
+    <p:spTree>
+      <p:nvGrpSpPr>
+        <p:cNvPr id="1" name=""/>
+        <p:cNvGrpSpPr/>
+        <p:nvPr/>
+      </p:nvGrpSpPr>
+      <p:grpSpPr>
+        <a:xfrm>
+          <a:off x="0" y="0"/>
+          <a:ext cx="0" cy="0"/>
+          <a:chOff x="0" y="0"/>
+          <a:chExt cx="0" cy="0"/>
+        </a:xfrm>
+      </p:grpSpPr>
+      <p:pic>
+        <p:nvPicPr>
+          <p:cNvPr id="7" name="図 6">
+            <a:extLst>
+              <a:ext uri="{FF2B5EF4-FFF2-40B4-BE49-F238E27FC236}">
+                <a16:creationId xmlns:a16="http://schemas.microsoft.com/office/drawing/2014/main" id="{FC8B2BA1-8209-3D56-BD47-7309E7EA866A}"/>
+              </a:ext>
+            </a:extLst>
+          </p:cNvPr>
+          <p:cNvPicPr>
+            <a:picLocks noChangeAspect="1"/>
+          </p:cNvPicPr>
+          <p:nvPr/>
+        </p:nvPicPr>
+        <p:blipFill>
+          <a:blip r:embed="rId2"/>
+          <a:stretch>
+            <a:fillRect/>
+          </a:stretch>
+        </p:blipFill>
+        <p:spPr>
+          <a:xfrm>
+            <a:off x="1057984" y="781015"/>
+            <a:ext cx="10076033" cy="5295968"/>
+          </a:xfrm>
+          <a:prstGeom prst="rect">
+            <a:avLst/>
+          </a:prstGeom>
+          <a:ln>
+            <a:noFill/>
+          </a:ln>
+          <a:effectLst>
+            <a:outerShdw blurRad="292100" dist="139700" dir="2700000" algn="tl" rotWithShape="0">
+              <a:srgbClr val="333333">
+                <a:alpha val="65000"/>
+              </a:srgbClr>
+            </a:outerShdw>
+          </a:effectLst>
         </p:spPr>
       </p:pic>
     </p:spTree>
     <p:extLst>
       <p:ext uri="{BB962C8B-B14F-4D97-AF65-F5344CB8AC3E}">
         <p14:creationId xmlns:p14="http://schemas.microsoft.com/office/powerpoint/2010/main" val="342891222"/>
+      </p:ext>
+    </p:extLst>
+  </p:cSld>
+  <p:clrMapOvr>
+    <a:masterClrMapping/>
+  </p:clrMapOvr>
+</p:sld>
+</file>
+
+<file path=ppt/slides/slide8.xml><?xml version="1.0" encoding="utf-8"?>
+<p:sld xmlns:a="http://schemas.openxmlformats.org/drawingml/2006/main" xmlns:r="http://schemas.openxmlformats.org/officeDocument/2006/relationships" xmlns:p="http://schemas.openxmlformats.org/presentationml/2006/main">
+  <p:cSld>
+    <p:spTree>
+      <p:nvGrpSpPr>
+        <p:cNvPr id="1" name=""/>
+        <p:cNvGrpSpPr/>
+        <p:nvPr/>
+      </p:nvGrpSpPr>
+      <p:grpSpPr>
+        <a:xfrm>
+          <a:off x="0" y="0"/>
+          <a:ext cx="0" cy="0"/>
+          <a:chOff x="0" y="0"/>
+          <a:chExt cx="0" cy="0"/>
+        </a:xfrm>
+      </p:grpSpPr>
+      <p:pic>
+        <p:nvPicPr>
+          <p:cNvPr id="5" name="図 4">
+            <a:extLst>
+              <a:ext uri="{FF2B5EF4-FFF2-40B4-BE49-F238E27FC236}">
+                <a16:creationId xmlns:a16="http://schemas.microsoft.com/office/drawing/2014/main" id="{C630257B-7310-B5B5-574C-C8E8220ED6A5}"/>
+              </a:ext>
+            </a:extLst>
+          </p:cNvPr>
+          <p:cNvPicPr>
+            <a:picLocks noChangeAspect="1"/>
+          </p:cNvPicPr>
+          <p:nvPr/>
+        </p:nvPicPr>
+        <p:blipFill>
+          <a:blip r:embed="rId2"/>
+          <a:stretch>
+            <a:fillRect/>
+          </a:stretch>
+        </p:blipFill>
+        <p:spPr>
+          <a:xfrm>
+            <a:off x="6778872" y="801090"/>
+            <a:ext cx="5185564" cy="5152516"/>
+          </a:xfrm>
+          <a:prstGeom prst="rect">
+            <a:avLst/>
+          </a:prstGeom>
+          <a:ln>
+            <a:noFill/>
+          </a:ln>
+          <a:effectLst>
+            <a:outerShdw blurRad="292100" dist="139700" dir="2700000" algn="tl" rotWithShape="0">
+              <a:srgbClr val="333333">
+                <a:alpha val="65000"/>
+              </a:srgbClr>
+            </a:outerShdw>
+          </a:effectLst>
+        </p:spPr>
+      </p:pic>
+      <p:pic>
+        <p:nvPicPr>
+          <p:cNvPr id="3" name="図 2">
+            <a:extLst>
+              <a:ext uri="{FF2B5EF4-FFF2-40B4-BE49-F238E27FC236}">
+                <a16:creationId xmlns:a16="http://schemas.microsoft.com/office/drawing/2014/main" id="{8A474242-9BCF-E981-7A9E-5F3EA0E6E387}"/>
+              </a:ext>
+            </a:extLst>
+          </p:cNvPr>
+          <p:cNvPicPr>
+            <a:picLocks noChangeAspect="1"/>
+          </p:cNvPicPr>
+          <p:nvPr/>
+        </p:nvPicPr>
+        <p:blipFill rotWithShape="1">
+          <a:blip r:embed="rId3"/>
+          <a:srcRect r="17457"/>
+          <a:stretch/>
+        </p:blipFill>
+        <p:spPr>
+          <a:xfrm>
+            <a:off x="227564" y="801090"/>
+            <a:ext cx="6248727" cy="3861101"/>
+          </a:xfrm>
+          <a:prstGeom prst="rect">
+            <a:avLst/>
+          </a:prstGeom>
+          <a:ln>
+            <a:noFill/>
+          </a:ln>
+          <a:effectLst>
+            <a:outerShdw blurRad="292100" dist="139700" dir="2700000" algn="tl" rotWithShape="0">
+              <a:srgbClr val="333333">
+                <a:alpha val="65000"/>
+              </a:srgbClr>
+            </a:outerShdw>
+          </a:effectLst>
+        </p:spPr>
+      </p:pic>
+    </p:spTree>
+    <p:extLst>
+      <p:ext uri="{BB962C8B-B14F-4D97-AF65-F5344CB8AC3E}">
+        <p14:creationId xmlns:p14="http://schemas.microsoft.com/office/powerpoint/2010/main" val="3020099367"/>
       </p:ext>
     </p:extLst>
   </p:cSld>
